--- a/segment-intersection/res/tree-draw.pptx
+++ b/segment-intersection/res/tree-draw.pptx
@@ -104,6 +104,11 @@
       </a:defRPr>
     </a:lvl9pPr>
   </p:defaultTextStyle>
+  <p:extLst>
+    <p:ext uri="{EFAFB233-063F-42B5-8137-9DF3F51BA10A}">
+      <p15:sldGuideLst xmlns:p15="http://schemas.microsoft.com/office/powerpoint/2012/main"/>
+    </p:ext>
+  </p:extLst>
 </p:presentation>
 </file>
 
@@ -4242,6 +4247,841 @@
           </p:style>
         </p:cxnSp>
       </p:grpSp>
+      <p:grpSp>
+        <p:nvGrpSpPr>
+          <p:cNvPr id="18" name="Group 17">
+            <a:extLst>
+              <a:ext uri="{FF2B5EF4-FFF2-40B4-BE49-F238E27FC236}">
+                <a16:creationId xmlns:a16="http://schemas.microsoft.com/office/drawing/2014/main" id="{8793799C-26F8-484D-99FB-9046E6FD0757}"/>
+              </a:ext>
+            </a:extLst>
+          </p:cNvPr>
+          <p:cNvGrpSpPr/>
+          <p:nvPr/>
+        </p:nvGrpSpPr>
+        <p:grpSpPr>
+          <a:xfrm>
+            <a:off x="809747" y="2417862"/>
+            <a:ext cx="3402582" cy="3265710"/>
+            <a:chOff x="809747" y="2417862"/>
+            <a:chExt cx="3402582" cy="3265710"/>
+          </a:xfrm>
+        </p:grpSpPr>
+        <p:sp>
+          <p:nvSpPr>
+            <p:cNvPr id="26" name="Oval 25">
+              <a:extLst>
+                <a:ext uri="{FF2B5EF4-FFF2-40B4-BE49-F238E27FC236}">
+                  <a16:creationId xmlns:a16="http://schemas.microsoft.com/office/drawing/2014/main" id="{AD34CB77-1540-488A-BAC5-92BE8D140F55}"/>
+                </a:ext>
+              </a:extLst>
+            </p:cNvPr>
+            <p:cNvSpPr/>
+            <p:nvPr/>
+          </p:nvSpPr>
+          <p:spPr>
+            <a:xfrm>
+              <a:off x="3537415" y="2417862"/>
+              <a:ext cx="674914" cy="653142"/>
+            </a:xfrm>
+            <a:prstGeom prst="ellipse">
+              <a:avLst/>
+            </a:prstGeom>
+          </p:spPr>
+          <p:style>
+            <a:lnRef idx="2">
+              <a:schemeClr val="dk1"/>
+            </a:lnRef>
+            <a:fillRef idx="1">
+              <a:schemeClr val="lt1"/>
+            </a:fillRef>
+            <a:effectRef idx="0">
+              <a:schemeClr val="dk1"/>
+            </a:effectRef>
+            <a:fontRef idx="minor">
+              <a:schemeClr val="dk1"/>
+            </a:fontRef>
+          </p:style>
+          <p:txBody>
+            <a:bodyPr rtlCol="0" anchor="ctr"/>
+            <a:lstStyle/>
+            <a:p>
+              <a:pPr algn="ctr"/>
+              <a:r>
+                <a:rPr lang="es-MX" dirty="0"/>
+                <a:t>10</a:t>
+              </a:r>
+              <a:endParaRPr lang="en-US" dirty="0"/>
+            </a:p>
+          </p:txBody>
+        </p:sp>
+        <p:sp>
+          <p:nvSpPr>
+            <p:cNvPr id="27" name="Oval 26">
+              <a:extLst>
+                <a:ext uri="{FF2B5EF4-FFF2-40B4-BE49-F238E27FC236}">
+                  <a16:creationId xmlns:a16="http://schemas.microsoft.com/office/drawing/2014/main" id="{03BEB241-141A-416D-B376-76FFA5B9A86B}"/>
+                </a:ext>
+              </a:extLst>
+            </p:cNvPr>
+            <p:cNvSpPr/>
+            <p:nvPr/>
+          </p:nvSpPr>
+          <p:spPr>
+            <a:xfrm>
+              <a:off x="2862501" y="3071004"/>
+              <a:ext cx="674914" cy="653142"/>
+            </a:xfrm>
+            <a:prstGeom prst="ellipse">
+              <a:avLst/>
+            </a:prstGeom>
+          </p:spPr>
+          <p:style>
+            <a:lnRef idx="2">
+              <a:schemeClr val="dk1"/>
+            </a:lnRef>
+            <a:fillRef idx="1">
+              <a:schemeClr val="lt1"/>
+            </a:fillRef>
+            <a:effectRef idx="0">
+              <a:schemeClr val="dk1"/>
+            </a:effectRef>
+            <a:fontRef idx="minor">
+              <a:schemeClr val="dk1"/>
+            </a:fontRef>
+          </p:style>
+          <p:txBody>
+            <a:bodyPr rtlCol="0" anchor="ctr"/>
+            <a:lstStyle/>
+            <a:p>
+              <a:pPr algn="ctr"/>
+              <a:r>
+                <a:rPr lang="es-MX" dirty="0"/>
+                <a:t>8</a:t>
+              </a:r>
+              <a:endParaRPr lang="en-US" dirty="0"/>
+            </a:p>
+          </p:txBody>
+        </p:sp>
+        <p:sp>
+          <p:nvSpPr>
+            <p:cNvPr id="28" name="Oval 27">
+              <a:extLst>
+                <a:ext uri="{FF2B5EF4-FFF2-40B4-BE49-F238E27FC236}">
+                  <a16:creationId xmlns:a16="http://schemas.microsoft.com/office/drawing/2014/main" id="{42BB742F-FB2E-43B9-9D10-7F79756E8B9F}"/>
+                </a:ext>
+              </a:extLst>
+            </p:cNvPr>
+            <p:cNvSpPr/>
+            <p:nvPr/>
+          </p:nvSpPr>
+          <p:spPr>
+            <a:xfrm>
+              <a:off x="2159575" y="3724146"/>
+              <a:ext cx="674914" cy="653142"/>
+            </a:xfrm>
+            <a:prstGeom prst="ellipse">
+              <a:avLst/>
+            </a:prstGeom>
+          </p:spPr>
+          <p:style>
+            <a:lnRef idx="2">
+              <a:schemeClr val="dk1"/>
+            </a:lnRef>
+            <a:fillRef idx="1">
+              <a:schemeClr val="lt1"/>
+            </a:fillRef>
+            <a:effectRef idx="0">
+              <a:schemeClr val="dk1"/>
+            </a:effectRef>
+            <a:fontRef idx="minor">
+              <a:schemeClr val="dk1"/>
+            </a:fontRef>
+          </p:style>
+          <p:txBody>
+            <a:bodyPr rtlCol="0" anchor="ctr"/>
+            <a:lstStyle/>
+            <a:p>
+              <a:pPr algn="ctr"/>
+              <a:r>
+                <a:rPr lang="es-MX" dirty="0"/>
+                <a:t>7</a:t>
+              </a:r>
+              <a:endParaRPr lang="en-US" dirty="0"/>
+            </a:p>
+          </p:txBody>
+        </p:sp>
+        <p:sp>
+          <p:nvSpPr>
+            <p:cNvPr id="29" name="Oval 28">
+              <a:extLst>
+                <a:ext uri="{FF2B5EF4-FFF2-40B4-BE49-F238E27FC236}">
+                  <a16:creationId xmlns:a16="http://schemas.microsoft.com/office/drawing/2014/main" id="{BDFB2089-766B-4C26-AC7E-C93597A987C4}"/>
+                </a:ext>
+              </a:extLst>
+            </p:cNvPr>
+            <p:cNvSpPr/>
+            <p:nvPr/>
+          </p:nvSpPr>
+          <p:spPr>
+            <a:xfrm>
+              <a:off x="809747" y="5030430"/>
+              <a:ext cx="674914" cy="653142"/>
+            </a:xfrm>
+            <a:prstGeom prst="ellipse">
+              <a:avLst/>
+            </a:prstGeom>
+          </p:spPr>
+          <p:style>
+            <a:lnRef idx="2">
+              <a:schemeClr val="dk1"/>
+            </a:lnRef>
+            <a:fillRef idx="1">
+              <a:schemeClr val="lt1"/>
+            </a:fillRef>
+            <a:effectRef idx="0">
+              <a:schemeClr val="dk1"/>
+            </a:effectRef>
+            <a:fontRef idx="minor">
+              <a:schemeClr val="dk1"/>
+            </a:fontRef>
+          </p:style>
+          <p:txBody>
+            <a:bodyPr rtlCol="0" anchor="ctr"/>
+            <a:lstStyle/>
+            <a:p>
+              <a:pPr algn="ctr"/>
+              <a:r>
+                <a:rPr lang="es-MX" dirty="0"/>
+                <a:t>5</a:t>
+              </a:r>
+              <a:endParaRPr lang="en-US" dirty="0"/>
+            </a:p>
+          </p:txBody>
+        </p:sp>
+        <p:cxnSp>
+          <p:nvCxnSpPr>
+            <p:cNvPr id="30" name="Straight Connector 29">
+              <a:extLst>
+                <a:ext uri="{FF2B5EF4-FFF2-40B4-BE49-F238E27FC236}">
+                  <a16:creationId xmlns:a16="http://schemas.microsoft.com/office/drawing/2014/main" id="{E593DFA8-D6AE-4FAD-8223-716E658FFEDB}"/>
+                </a:ext>
+              </a:extLst>
+            </p:cNvPr>
+            <p:cNvCxnSpPr>
+              <a:stCxn id="26" idx="3"/>
+              <a:endCxn id="27" idx="0"/>
+            </p:cNvCxnSpPr>
+            <p:nvPr/>
+          </p:nvCxnSpPr>
+          <p:spPr>
+            <a:xfrm flipH="1">
+              <a:off x="3199958" y="2975354"/>
+              <a:ext cx="436296" cy="95650"/>
+            </a:xfrm>
+            <a:prstGeom prst="line">
+              <a:avLst/>
+            </a:prstGeom>
+          </p:spPr>
+          <p:style>
+            <a:lnRef idx="1">
+              <a:schemeClr val="dk1"/>
+            </a:lnRef>
+            <a:fillRef idx="0">
+              <a:schemeClr val="dk1"/>
+            </a:fillRef>
+            <a:effectRef idx="0">
+              <a:schemeClr val="dk1"/>
+            </a:effectRef>
+            <a:fontRef idx="minor">
+              <a:schemeClr val="tx1"/>
+            </a:fontRef>
+          </p:style>
+        </p:cxnSp>
+        <p:sp>
+          <p:nvSpPr>
+            <p:cNvPr id="33" name="Oval 32">
+              <a:extLst>
+                <a:ext uri="{FF2B5EF4-FFF2-40B4-BE49-F238E27FC236}">
+                  <a16:creationId xmlns:a16="http://schemas.microsoft.com/office/drawing/2014/main" id="{0EB4987F-EE96-480E-9AB1-AE24A1D317BF}"/>
+                </a:ext>
+              </a:extLst>
+            </p:cNvPr>
+            <p:cNvSpPr/>
+            <p:nvPr/>
+          </p:nvSpPr>
+          <p:spPr>
+            <a:xfrm>
+              <a:off x="1484661" y="4377288"/>
+              <a:ext cx="674914" cy="653142"/>
+            </a:xfrm>
+            <a:prstGeom prst="ellipse">
+              <a:avLst/>
+            </a:prstGeom>
+          </p:spPr>
+          <p:style>
+            <a:lnRef idx="2">
+              <a:schemeClr val="dk1"/>
+            </a:lnRef>
+            <a:fillRef idx="1">
+              <a:schemeClr val="lt1"/>
+            </a:fillRef>
+            <a:effectRef idx="0">
+              <a:schemeClr val="dk1"/>
+            </a:effectRef>
+            <a:fontRef idx="minor">
+              <a:schemeClr val="dk1"/>
+            </a:fontRef>
+          </p:style>
+          <p:txBody>
+            <a:bodyPr rtlCol="0" anchor="ctr"/>
+            <a:lstStyle/>
+            <a:p>
+              <a:pPr algn="ctr"/>
+              <a:r>
+                <a:rPr lang="es-MX" dirty="0"/>
+                <a:t>6</a:t>
+              </a:r>
+              <a:endParaRPr lang="en-US" dirty="0"/>
+            </a:p>
+          </p:txBody>
+        </p:sp>
+        <p:cxnSp>
+          <p:nvCxnSpPr>
+            <p:cNvPr id="3" name="Straight Connector 2">
+              <a:extLst>
+                <a:ext uri="{FF2B5EF4-FFF2-40B4-BE49-F238E27FC236}">
+                  <a16:creationId xmlns:a16="http://schemas.microsoft.com/office/drawing/2014/main" id="{BEEDA84E-4DCB-46FA-B691-366B28EAD441}"/>
+                </a:ext>
+              </a:extLst>
+            </p:cNvPr>
+            <p:cNvCxnSpPr>
+              <a:stCxn id="27" idx="3"/>
+              <a:endCxn id="28" idx="0"/>
+            </p:cNvCxnSpPr>
+            <p:nvPr/>
+          </p:nvCxnSpPr>
+          <p:spPr>
+            <a:xfrm flipH="1">
+              <a:off x="2497032" y="3628496"/>
+              <a:ext cx="464308" cy="95650"/>
+            </a:xfrm>
+            <a:prstGeom prst="line">
+              <a:avLst/>
+            </a:prstGeom>
+          </p:spPr>
+          <p:style>
+            <a:lnRef idx="1">
+              <a:schemeClr val="dk1"/>
+            </a:lnRef>
+            <a:fillRef idx="0">
+              <a:schemeClr val="dk1"/>
+            </a:fillRef>
+            <a:effectRef idx="0">
+              <a:schemeClr val="dk1"/>
+            </a:effectRef>
+            <a:fontRef idx="minor">
+              <a:schemeClr val="tx1"/>
+            </a:fontRef>
+          </p:style>
+        </p:cxnSp>
+        <p:cxnSp>
+          <p:nvCxnSpPr>
+            <p:cNvPr id="14" name="Straight Connector 13">
+              <a:extLst>
+                <a:ext uri="{FF2B5EF4-FFF2-40B4-BE49-F238E27FC236}">
+                  <a16:creationId xmlns:a16="http://schemas.microsoft.com/office/drawing/2014/main" id="{699D1A9D-6118-4EA1-8123-0AF9F9D9CD13}"/>
+                </a:ext>
+              </a:extLst>
+            </p:cNvPr>
+            <p:cNvCxnSpPr>
+              <a:stCxn id="28" idx="3"/>
+              <a:endCxn id="33" idx="0"/>
+            </p:cNvCxnSpPr>
+            <p:nvPr/>
+          </p:nvCxnSpPr>
+          <p:spPr>
+            <a:xfrm flipH="1">
+              <a:off x="1822118" y="4281638"/>
+              <a:ext cx="436296" cy="95650"/>
+            </a:xfrm>
+            <a:prstGeom prst="line">
+              <a:avLst/>
+            </a:prstGeom>
+          </p:spPr>
+          <p:style>
+            <a:lnRef idx="1">
+              <a:schemeClr val="dk1"/>
+            </a:lnRef>
+            <a:fillRef idx="0">
+              <a:schemeClr val="dk1"/>
+            </a:fillRef>
+            <a:effectRef idx="0">
+              <a:schemeClr val="dk1"/>
+            </a:effectRef>
+            <a:fontRef idx="minor">
+              <a:schemeClr val="tx1"/>
+            </a:fontRef>
+          </p:style>
+        </p:cxnSp>
+        <p:cxnSp>
+          <p:nvCxnSpPr>
+            <p:cNvPr id="17" name="Straight Connector 16">
+              <a:extLst>
+                <a:ext uri="{FF2B5EF4-FFF2-40B4-BE49-F238E27FC236}">
+                  <a16:creationId xmlns:a16="http://schemas.microsoft.com/office/drawing/2014/main" id="{BB652DCD-1C8F-4F8A-8989-169988084D1A}"/>
+                </a:ext>
+              </a:extLst>
+            </p:cNvPr>
+            <p:cNvCxnSpPr>
+              <a:stCxn id="33" idx="3"/>
+              <a:endCxn id="29" idx="0"/>
+            </p:cNvCxnSpPr>
+            <p:nvPr/>
+          </p:nvCxnSpPr>
+          <p:spPr>
+            <a:xfrm flipH="1">
+              <a:off x="1147204" y="4934780"/>
+              <a:ext cx="436296" cy="95650"/>
+            </a:xfrm>
+            <a:prstGeom prst="line">
+              <a:avLst/>
+            </a:prstGeom>
+          </p:spPr>
+          <p:style>
+            <a:lnRef idx="1">
+              <a:schemeClr val="dk1"/>
+            </a:lnRef>
+            <a:fillRef idx="0">
+              <a:schemeClr val="dk1"/>
+            </a:fillRef>
+            <a:effectRef idx="0">
+              <a:schemeClr val="dk1"/>
+            </a:effectRef>
+            <a:fontRef idx="minor">
+              <a:schemeClr val="tx1"/>
+            </a:fontRef>
+          </p:style>
+        </p:cxnSp>
+      </p:grpSp>
+      <p:grpSp>
+        <p:nvGrpSpPr>
+          <p:cNvPr id="63" name="Group 62">
+            <a:extLst>
+              <a:ext uri="{FF2B5EF4-FFF2-40B4-BE49-F238E27FC236}">
+                <a16:creationId xmlns:a16="http://schemas.microsoft.com/office/drawing/2014/main" id="{A2D4461E-4A4E-45B3-9D6C-8094CE1C6042}"/>
+              </a:ext>
+            </a:extLst>
+          </p:cNvPr>
+          <p:cNvGrpSpPr/>
+          <p:nvPr/>
+        </p:nvGrpSpPr>
+        <p:grpSpPr>
+          <a:xfrm>
+            <a:off x="4746172" y="3884052"/>
+            <a:ext cx="2710956" cy="1959426"/>
+            <a:chOff x="4746172" y="3884052"/>
+            <a:chExt cx="2710956" cy="1959426"/>
+          </a:xfrm>
+        </p:grpSpPr>
+        <p:sp>
+          <p:nvSpPr>
+            <p:cNvPr id="48" name="Oval 47">
+              <a:extLst>
+                <a:ext uri="{FF2B5EF4-FFF2-40B4-BE49-F238E27FC236}">
+                  <a16:creationId xmlns:a16="http://schemas.microsoft.com/office/drawing/2014/main" id="{ED9A1472-F9AD-4112-B694-160E57A565A0}"/>
+                </a:ext>
+              </a:extLst>
+            </p:cNvPr>
+            <p:cNvSpPr/>
+            <p:nvPr/>
+          </p:nvSpPr>
+          <p:spPr>
+            <a:xfrm>
+              <a:off x="5421086" y="3884052"/>
+              <a:ext cx="674914" cy="653142"/>
+            </a:xfrm>
+            <a:prstGeom prst="ellipse">
+              <a:avLst/>
+            </a:prstGeom>
+          </p:spPr>
+          <p:style>
+            <a:lnRef idx="2">
+              <a:schemeClr val="dk1"/>
+            </a:lnRef>
+            <a:fillRef idx="1">
+              <a:schemeClr val="lt1"/>
+            </a:fillRef>
+            <a:effectRef idx="0">
+              <a:schemeClr val="dk1"/>
+            </a:effectRef>
+            <a:fontRef idx="minor">
+              <a:schemeClr val="dk1"/>
+            </a:fontRef>
+          </p:style>
+          <p:txBody>
+            <a:bodyPr rtlCol="0" anchor="ctr"/>
+            <a:lstStyle/>
+            <a:p>
+              <a:pPr algn="ctr"/>
+              <a:r>
+                <a:rPr lang="es-MX" dirty="0"/>
+                <a:t>7</a:t>
+              </a:r>
+              <a:endParaRPr lang="en-US" dirty="0"/>
+            </a:p>
+          </p:txBody>
+        </p:sp>
+        <p:sp>
+          <p:nvSpPr>
+            <p:cNvPr id="49" name="Oval 48">
+              <a:extLst>
+                <a:ext uri="{FF2B5EF4-FFF2-40B4-BE49-F238E27FC236}">
+                  <a16:creationId xmlns:a16="http://schemas.microsoft.com/office/drawing/2014/main" id="{30ACB59D-CB2C-4476-A3BC-E0FECA09F6E5}"/>
+                </a:ext>
+              </a:extLst>
+            </p:cNvPr>
+            <p:cNvSpPr/>
+            <p:nvPr/>
+          </p:nvSpPr>
+          <p:spPr>
+            <a:xfrm>
+              <a:off x="4746172" y="4537194"/>
+              <a:ext cx="674914" cy="653142"/>
+            </a:xfrm>
+            <a:prstGeom prst="ellipse">
+              <a:avLst/>
+            </a:prstGeom>
+          </p:spPr>
+          <p:style>
+            <a:lnRef idx="2">
+              <a:schemeClr val="dk1"/>
+            </a:lnRef>
+            <a:fillRef idx="1">
+              <a:schemeClr val="lt1"/>
+            </a:fillRef>
+            <a:effectRef idx="0">
+              <a:schemeClr val="dk1"/>
+            </a:effectRef>
+            <a:fontRef idx="minor">
+              <a:schemeClr val="dk1"/>
+            </a:fontRef>
+          </p:style>
+          <p:txBody>
+            <a:bodyPr rtlCol="0" anchor="ctr"/>
+            <a:lstStyle/>
+            <a:p>
+              <a:pPr algn="ctr"/>
+              <a:r>
+                <a:rPr lang="es-MX" dirty="0"/>
+                <a:t>5</a:t>
+              </a:r>
+              <a:endParaRPr lang="en-US" dirty="0"/>
+            </a:p>
+          </p:txBody>
+        </p:sp>
+        <p:sp>
+          <p:nvSpPr>
+            <p:cNvPr id="50" name="Oval 49">
+              <a:extLst>
+                <a:ext uri="{FF2B5EF4-FFF2-40B4-BE49-F238E27FC236}">
+                  <a16:creationId xmlns:a16="http://schemas.microsoft.com/office/drawing/2014/main" id="{4F04B484-C9C2-4667-ACF9-6710956CA926}"/>
+                </a:ext>
+              </a:extLst>
+            </p:cNvPr>
+            <p:cNvSpPr/>
+            <p:nvPr/>
+          </p:nvSpPr>
+          <p:spPr>
+            <a:xfrm>
+              <a:off x="6101650" y="4537194"/>
+              <a:ext cx="674914" cy="653142"/>
+            </a:xfrm>
+            <a:prstGeom prst="ellipse">
+              <a:avLst/>
+            </a:prstGeom>
+          </p:spPr>
+          <p:style>
+            <a:lnRef idx="2">
+              <a:schemeClr val="dk1"/>
+            </a:lnRef>
+            <a:fillRef idx="1">
+              <a:schemeClr val="lt1"/>
+            </a:fillRef>
+            <a:effectRef idx="0">
+              <a:schemeClr val="dk1"/>
+            </a:effectRef>
+            <a:fontRef idx="minor">
+              <a:schemeClr val="dk1"/>
+            </a:fontRef>
+          </p:style>
+          <p:txBody>
+            <a:bodyPr rtlCol="0" anchor="ctr"/>
+            <a:lstStyle/>
+            <a:p>
+              <a:pPr algn="ctr"/>
+              <a:r>
+                <a:rPr lang="es-MX" dirty="0"/>
+                <a:t>8</a:t>
+              </a:r>
+              <a:endParaRPr lang="en-US" dirty="0"/>
+            </a:p>
+          </p:txBody>
+        </p:sp>
+        <p:sp>
+          <p:nvSpPr>
+            <p:cNvPr id="52" name="Oval 51">
+              <a:extLst>
+                <a:ext uri="{FF2B5EF4-FFF2-40B4-BE49-F238E27FC236}">
+                  <a16:creationId xmlns:a16="http://schemas.microsoft.com/office/drawing/2014/main" id="{EF15ECAF-854E-4CBB-A255-413896004119}"/>
+                </a:ext>
+              </a:extLst>
+            </p:cNvPr>
+            <p:cNvSpPr/>
+            <p:nvPr/>
+          </p:nvSpPr>
+          <p:spPr>
+            <a:xfrm>
+              <a:off x="5415437" y="5190336"/>
+              <a:ext cx="674914" cy="653142"/>
+            </a:xfrm>
+            <a:prstGeom prst="ellipse">
+              <a:avLst/>
+            </a:prstGeom>
+          </p:spPr>
+          <p:style>
+            <a:lnRef idx="2">
+              <a:schemeClr val="dk1"/>
+            </a:lnRef>
+            <a:fillRef idx="1">
+              <a:schemeClr val="lt1"/>
+            </a:fillRef>
+            <a:effectRef idx="0">
+              <a:schemeClr val="dk1"/>
+            </a:effectRef>
+            <a:fontRef idx="minor">
+              <a:schemeClr val="dk1"/>
+            </a:fontRef>
+          </p:style>
+          <p:txBody>
+            <a:bodyPr rtlCol="0" anchor="ctr"/>
+            <a:lstStyle/>
+            <a:p>
+              <a:pPr algn="ctr"/>
+              <a:r>
+                <a:rPr lang="es-MX" dirty="0"/>
+                <a:t>6</a:t>
+              </a:r>
+              <a:endParaRPr lang="en-US" dirty="0"/>
+            </a:p>
+          </p:txBody>
+        </p:sp>
+        <p:sp>
+          <p:nvSpPr>
+            <p:cNvPr id="55" name="Oval 54">
+              <a:extLst>
+                <a:ext uri="{FF2B5EF4-FFF2-40B4-BE49-F238E27FC236}">
+                  <a16:creationId xmlns:a16="http://schemas.microsoft.com/office/drawing/2014/main" id="{DD9EB05B-D2E8-48BD-83E8-1B545FA5034F}"/>
+                </a:ext>
+              </a:extLst>
+            </p:cNvPr>
+            <p:cNvSpPr/>
+            <p:nvPr/>
+          </p:nvSpPr>
+          <p:spPr>
+            <a:xfrm>
+              <a:off x="6782214" y="5190336"/>
+              <a:ext cx="674914" cy="653142"/>
+            </a:xfrm>
+            <a:prstGeom prst="ellipse">
+              <a:avLst/>
+            </a:prstGeom>
+          </p:spPr>
+          <p:style>
+            <a:lnRef idx="2">
+              <a:schemeClr val="dk1"/>
+            </a:lnRef>
+            <a:fillRef idx="1">
+              <a:schemeClr val="lt1"/>
+            </a:fillRef>
+            <a:effectRef idx="0">
+              <a:schemeClr val="dk1"/>
+            </a:effectRef>
+            <a:fontRef idx="minor">
+              <a:schemeClr val="dk1"/>
+            </a:fontRef>
+          </p:style>
+          <p:txBody>
+            <a:bodyPr rtlCol="0" anchor="ctr"/>
+            <a:lstStyle/>
+            <a:p>
+              <a:pPr algn="ctr"/>
+              <a:r>
+                <a:rPr lang="es-MX" dirty="0"/>
+                <a:t>10</a:t>
+              </a:r>
+              <a:endParaRPr lang="en-US" dirty="0"/>
+            </a:p>
+          </p:txBody>
+        </p:sp>
+        <p:cxnSp>
+          <p:nvCxnSpPr>
+            <p:cNvPr id="21" name="Straight Connector 20">
+              <a:extLst>
+                <a:ext uri="{FF2B5EF4-FFF2-40B4-BE49-F238E27FC236}">
+                  <a16:creationId xmlns:a16="http://schemas.microsoft.com/office/drawing/2014/main" id="{045156A2-F87F-4D6C-B4AF-9949459F28FB}"/>
+                </a:ext>
+              </a:extLst>
+            </p:cNvPr>
+            <p:cNvCxnSpPr>
+              <a:stCxn id="48" idx="3"/>
+              <a:endCxn id="49" idx="0"/>
+            </p:cNvCxnSpPr>
+            <p:nvPr/>
+          </p:nvCxnSpPr>
+          <p:spPr>
+            <a:xfrm flipH="1">
+              <a:off x="5083629" y="4441544"/>
+              <a:ext cx="436296" cy="95650"/>
+            </a:xfrm>
+            <a:prstGeom prst="line">
+              <a:avLst/>
+            </a:prstGeom>
+          </p:spPr>
+          <p:style>
+            <a:lnRef idx="1">
+              <a:schemeClr val="dk1"/>
+            </a:lnRef>
+            <a:fillRef idx="0">
+              <a:schemeClr val="dk1"/>
+            </a:fillRef>
+            <a:effectRef idx="0">
+              <a:schemeClr val="dk1"/>
+            </a:effectRef>
+            <a:fontRef idx="minor">
+              <a:schemeClr val="tx1"/>
+            </a:fontRef>
+          </p:style>
+        </p:cxnSp>
+        <p:cxnSp>
+          <p:nvCxnSpPr>
+            <p:cNvPr id="46" name="Straight Connector 45">
+              <a:extLst>
+                <a:ext uri="{FF2B5EF4-FFF2-40B4-BE49-F238E27FC236}">
+                  <a16:creationId xmlns:a16="http://schemas.microsoft.com/office/drawing/2014/main" id="{B3AB087C-57A3-43A9-9A70-7FEA2951674F}"/>
+                </a:ext>
+              </a:extLst>
+            </p:cNvPr>
+            <p:cNvCxnSpPr>
+              <a:stCxn id="48" idx="5"/>
+              <a:endCxn id="50" idx="0"/>
+            </p:cNvCxnSpPr>
+            <p:nvPr/>
+          </p:nvCxnSpPr>
+          <p:spPr>
+            <a:xfrm>
+              <a:off x="5997161" y="4441544"/>
+              <a:ext cx="441946" cy="95650"/>
+            </a:xfrm>
+            <a:prstGeom prst="line">
+              <a:avLst/>
+            </a:prstGeom>
+          </p:spPr>
+          <p:style>
+            <a:lnRef idx="1">
+              <a:schemeClr val="dk1"/>
+            </a:lnRef>
+            <a:fillRef idx="0">
+              <a:schemeClr val="dk1"/>
+            </a:fillRef>
+            <a:effectRef idx="0">
+              <a:schemeClr val="dk1"/>
+            </a:effectRef>
+            <a:fontRef idx="minor">
+              <a:schemeClr val="tx1"/>
+            </a:fontRef>
+          </p:style>
+        </p:cxnSp>
+        <p:cxnSp>
+          <p:nvCxnSpPr>
+            <p:cNvPr id="57" name="Straight Connector 56">
+              <a:extLst>
+                <a:ext uri="{FF2B5EF4-FFF2-40B4-BE49-F238E27FC236}">
+                  <a16:creationId xmlns:a16="http://schemas.microsoft.com/office/drawing/2014/main" id="{EB688C23-20BE-4741-9DF6-58590B4E6E73}"/>
+                </a:ext>
+              </a:extLst>
+            </p:cNvPr>
+            <p:cNvCxnSpPr>
+              <a:cxnSpLocks/>
+              <a:stCxn id="49" idx="5"/>
+              <a:endCxn id="52" idx="0"/>
+            </p:cNvCxnSpPr>
+            <p:nvPr/>
+          </p:nvCxnSpPr>
+          <p:spPr>
+            <a:xfrm>
+              <a:off x="5322247" y="5094686"/>
+              <a:ext cx="430647" cy="95650"/>
+            </a:xfrm>
+            <a:prstGeom prst="line">
+              <a:avLst/>
+            </a:prstGeom>
+          </p:spPr>
+          <p:style>
+            <a:lnRef idx="1">
+              <a:schemeClr val="dk1"/>
+            </a:lnRef>
+            <a:fillRef idx="0">
+              <a:schemeClr val="dk1"/>
+            </a:fillRef>
+            <a:effectRef idx="0">
+              <a:schemeClr val="dk1"/>
+            </a:effectRef>
+            <a:fontRef idx="minor">
+              <a:schemeClr val="tx1"/>
+            </a:fontRef>
+          </p:style>
+        </p:cxnSp>
+        <p:cxnSp>
+          <p:nvCxnSpPr>
+            <p:cNvPr id="59" name="Straight Connector 58">
+              <a:extLst>
+                <a:ext uri="{FF2B5EF4-FFF2-40B4-BE49-F238E27FC236}">
+                  <a16:creationId xmlns:a16="http://schemas.microsoft.com/office/drawing/2014/main" id="{54989D4B-A50A-4971-80CC-77E6DA7E4708}"/>
+                </a:ext>
+              </a:extLst>
+            </p:cNvPr>
+            <p:cNvCxnSpPr>
+              <a:stCxn id="50" idx="5"/>
+              <a:endCxn id="55" idx="0"/>
+            </p:cNvCxnSpPr>
+            <p:nvPr/>
+          </p:nvCxnSpPr>
+          <p:spPr>
+            <a:xfrm>
+              <a:off x="6677725" y="5094686"/>
+              <a:ext cx="441946" cy="95650"/>
+            </a:xfrm>
+            <a:prstGeom prst="line">
+              <a:avLst/>
+            </a:prstGeom>
+          </p:spPr>
+          <p:style>
+            <a:lnRef idx="1">
+              <a:schemeClr val="dk1"/>
+            </a:lnRef>
+            <a:fillRef idx="0">
+              <a:schemeClr val="dk1"/>
+            </a:fillRef>
+            <a:effectRef idx="0">
+              <a:schemeClr val="dk1"/>
+            </a:effectRef>
+            <a:fontRef idx="minor">
+              <a:schemeClr val="tx1"/>
+            </a:fontRef>
+          </p:style>
+        </p:cxnSp>
+      </p:grpSp>
     </p:spTree>
     <p:extLst>
       <p:ext uri="{BB962C8B-B14F-4D97-AF65-F5344CB8AC3E}">

--- a/segment-intersection/res/tree-draw.pptx
+++ b/segment-intersection/res/tree-draw.pptx
@@ -6,6 +6,7 @@
   </p:sldMasterIdLst>
   <p:sldIdLst>
     <p:sldId id="256" r:id="rId2"/>
+    <p:sldId id="257" r:id="rId3"/>
   </p:sldIdLst>
   <p:sldSz cx="12192000" cy="6858000"/>
   <p:notesSz cx="6858000" cy="9144000"/>
@@ -5095,6 +5096,279 @@
 </p:sld>
 </file>
 
+<file path=ppt/slides/slide2.xml><?xml version="1.0" encoding="utf-8"?>
+<p:sld xmlns:a="http://schemas.openxmlformats.org/drawingml/2006/main" xmlns:r="http://schemas.openxmlformats.org/officeDocument/2006/relationships" xmlns:p="http://schemas.openxmlformats.org/presentationml/2006/main">
+  <p:cSld>
+    <p:spTree>
+      <p:nvGrpSpPr>
+        <p:cNvPr id="1" name=""/>
+        <p:cNvGrpSpPr/>
+        <p:nvPr/>
+      </p:nvGrpSpPr>
+      <p:grpSpPr>
+        <a:xfrm>
+          <a:off x="0" y="0"/>
+          <a:ext cx="0" cy="0"/>
+          <a:chOff x="0" y="0"/>
+          <a:chExt cx="0" cy="0"/>
+        </a:xfrm>
+      </p:grpSpPr>
+      <p:grpSp>
+        <p:nvGrpSpPr>
+          <p:cNvPr id="12" name="Group 11">
+            <a:extLst>
+              <a:ext uri="{FF2B5EF4-FFF2-40B4-BE49-F238E27FC236}">
+                <a16:creationId xmlns:a16="http://schemas.microsoft.com/office/drawing/2014/main" id="{07541FC8-0899-4189-9DF2-3F76C73239CC}"/>
+              </a:ext>
+            </a:extLst>
+          </p:cNvPr>
+          <p:cNvGrpSpPr/>
+          <p:nvPr/>
+        </p:nvGrpSpPr>
+        <p:grpSpPr>
+          <a:xfrm>
+            <a:off x="4746172" y="1455576"/>
+            <a:ext cx="2024742" cy="1353777"/>
+            <a:chOff x="4746172" y="1455576"/>
+            <a:chExt cx="2024742" cy="1353777"/>
+          </a:xfrm>
+        </p:grpSpPr>
+        <p:sp>
+          <p:nvSpPr>
+            <p:cNvPr id="3" name="Oval 2">
+              <a:extLst>
+                <a:ext uri="{FF2B5EF4-FFF2-40B4-BE49-F238E27FC236}">
+                  <a16:creationId xmlns:a16="http://schemas.microsoft.com/office/drawing/2014/main" id="{E2B469F7-E458-42E7-84FD-4D9B3E047F99}"/>
+                </a:ext>
+              </a:extLst>
+            </p:cNvPr>
+            <p:cNvSpPr/>
+            <p:nvPr/>
+          </p:nvSpPr>
+          <p:spPr>
+            <a:xfrm>
+              <a:off x="5421086" y="1455576"/>
+              <a:ext cx="674914" cy="653142"/>
+            </a:xfrm>
+            <a:prstGeom prst="ellipse">
+              <a:avLst/>
+            </a:prstGeom>
+          </p:spPr>
+          <p:style>
+            <a:lnRef idx="2">
+              <a:schemeClr val="dk1"/>
+            </a:lnRef>
+            <a:fillRef idx="1">
+              <a:schemeClr val="lt1"/>
+            </a:fillRef>
+            <a:effectRef idx="0">
+              <a:schemeClr val="dk1"/>
+            </a:effectRef>
+            <a:fontRef idx="minor">
+              <a:schemeClr val="dk1"/>
+            </a:fontRef>
+          </p:style>
+          <p:txBody>
+            <a:bodyPr rtlCol="0" anchor="ctr"/>
+            <a:lstStyle/>
+            <a:p>
+              <a:pPr algn="ctr"/>
+              <a:r>
+                <a:rPr lang="es-MX" sz="1200" dirty="0"/>
+                <a:t>10,5</a:t>
+              </a:r>
+              <a:endParaRPr lang="en-US" sz="1200" dirty="0"/>
+            </a:p>
+          </p:txBody>
+        </p:sp>
+        <p:sp>
+          <p:nvSpPr>
+            <p:cNvPr id="4" name="Oval 3">
+              <a:extLst>
+                <a:ext uri="{FF2B5EF4-FFF2-40B4-BE49-F238E27FC236}">
+                  <a16:creationId xmlns:a16="http://schemas.microsoft.com/office/drawing/2014/main" id="{F51B2D3E-34B9-45F0-827C-BB0F5B7EE24E}"/>
+                </a:ext>
+              </a:extLst>
+            </p:cNvPr>
+            <p:cNvSpPr/>
+            <p:nvPr/>
+          </p:nvSpPr>
+          <p:spPr>
+            <a:xfrm>
+              <a:off x="4746172" y="2156211"/>
+              <a:ext cx="674914" cy="653142"/>
+            </a:xfrm>
+            <a:prstGeom prst="ellipse">
+              <a:avLst/>
+            </a:prstGeom>
+          </p:spPr>
+          <p:style>
+            <a:lnRef idx="2">
+              <a:schemeClr val="dk1"/>
+            </a:lnRef>
+            <a:fillRef idx="1">
+              <a:schemeClr val="lt1"/>
+            </a:fillRef>
+            <a:effectRef idx="0">
+              <a:schemeClr val="dk1"/>
+            </a:effectRef>
+            <a:fontRef idx="minor">
+              <a:schemeClr val="dk1"/>
+            </a:fontRef>
+          </p:style>
+          <p:txBody>
+            <a:bodyPr rtlCol="0" anchor="ctr"/>
+            <a:lstStyle/>
+            <a:p>
+              <a:pPr algn="ctr"/>
+              <a:r>
+                <a:rPr lang="es-MX" sz="1200" dirty="0"/>
+                <a:t>10,6</a:t>
+              </a:r>
+              <a:endParaRPr lang="en-US" sz="1200" dirty="0"/>
+            </a:p>
+          </p:txBody>
+        </p:sp>
+        <p:sp>
+          <p:nvSpPr>
+            <p:cNvPr id="5" name="Oval 4">
+              <a:extLst>
+                <a:ext uri="{FF2B5EF4-FFF2-40B4-BE49-F238E27FC236}">
+                  <a16:creationId xmlns:a16="http://schemas.microsoft.com/office/drawing/2014/main" id="{9AB445D6-17BE-4D10-9575-42F71F485F9F}"/>
+                </a:ext>
+              </a:extLst>
+            </p:cNvPr>
+            <p:cNvSpPr/>
+            <p:nvPr/>
+          </p:nvSpPr>
+          <p:spPr>
+            <a:xfrm>
+              <a:off x="6096000" y="2156211"/>
+              <a:ext cx="674914" cy="653142"/>
+            </a:xfrm>
+            <a:prstGeom prst="ellipse">
+              <a:avLst/>
+            </a:prstGeom>
+          </p:spPr>
+          <p:style>
+            <a:lnRef idx="2">
+              <a:schemeClr val="dk1"/>
+            </a:lnRef>
+            <a:fillRef idx="1">
+              <a:schemeClr val="lt1"/>
+            </a:fillRef>
+            <a:effectRef idx="0">
+              <a:schemeClr val="dk1"/>
+            </a:effectRef>
+            <a:fontRef idx="minor">
+              <a:schemeClr val="dk1"/>
+            </a:fontRef>
+          </p:style>
+          <p:txBody>
+            <a:bodyPr rtlCol="0" anchor="ctr"/>
+            <a:lstStyle/>
+            <a:p>
+              <a:pPr algn="ctr"/>
+              <a:r>
+                <a:rPr lang="es-MX" sz="1200" dirty="0"/>
+                <a:t>9,3</a:t>
+              </a:r>
+              <a:endParaRPr lang="en-US" sz="1200" dirty="0"/>
+            </a:p>
+          </p:txBody>
+        </p:sp>
+        <p:cxnSp>
+          <p:nvCxnSpPr>
+            <p:cNvPr id="8" name="Straight Connector 7">
+              <a:extLst>
+                <a:ext uri="{FF2B5EF4-FFF2-40B4-BE49-F238E27FC236}">
+                  <a16:creationId xmlns:a16="http://schemas.microsoft.com/office/drawing/2014/main" id="{C2D8771C-417B-48CF-B9E5-7B108F54C45F}"/>
+                </a:ext>
+              </a:extLst>
+            </p:cNvPr>
+            <p:cNvCxnSpPr>
+              <a:stCxn id="3" idx="3"/>
+              <a:endCxn id="4" idx="0"/>
+            </p:cNvCxnSpPr>
+            <p:nvPr/>
+          </p:nvCxnSpPr>
+          <p:spPr>
+            <a:xfrm flipH="1">
+              <a:off x="5083629" y="2013068"/>
+              <a:ext cx="436296" cy="143143"/>
+            </a:xfrm>
+            <a:prstGeom prst="line">
+              <a:avLst/>
+            </a:prstGeom>
+          </p:spPr>
+          <p:style>
+            <a:lnRef idx="1">
+              <a:schemeClr val="dk1"/>
+            </a:lnRef>
+            <a:fillRef idx="0">
+              <a:schemeClr val="dk1"/>
+            </a:fillRef>
+            <a:effectRef idx="0">
+              <a:schemeClr val="dk1"/>
+            </a:effectRef>
+            <a:fontRef idx="minor">
+              <a:schemeClr val="tx1"/>
+            </a:fontRef>
+          </p:style>
+        </p:cxnSp>
+        <p:cxnSp>
+          <p:nvCxnSpPr>
+            <p:cNvPr id="9" name="Straight Connector 8">
+              <a:extLst>
+                <a:ext uri="{FF2B5EF4-FFF2-40B4-BE49-F238E27FC236}">
+                  <a16:creationId xmlns:a16="http://schemas.microsoft.com/office/drawing/2014/main" id="{6174A951-A2A0-4EE6-8C7B-FD5B6F9EAF76}"/>
+                </a:ext>
+              </a:extLst>
+            </p:cNvPr>
+            <p:cNvCxnSpPr>
+              <a:stCxn id="3" idx="5"/>
+              <a:endCxn id="5" idx="0"/>
+            </p:cNvCxnSpPr>
+            <p:nvPr/>
+          </p:nvCxnSpPr>
+          <p:spPr>
+            <a:xfrm>
+              <a:off x="5997161" y="2013068"/>
+              <a:ext cx="436296" cy="143143"/>
+            </a:xfrm>
+            <a:prstGeom prst="line">
+              <a:avLst/>
+            </a:prstGeom>
+          </p:spPr>
+          <p:style>
+            <a:lnRef idx="1">
+              <a:schemeClr val="dk1"/>
+            </a:lnRef>
+            <a:fillRef idx="0">
+              <a:schemeClr val="dk1"/>
+            </a:fillRef>
+            <a:effectRef idx="0">
+              <a:schemeClr val="dk1"/>
+            </a:effectRef>
+            <a:fontRef idx="minor">
+              <a:schemeClr val="tx1"/>
+            </a:fontRef>
+          </p:style>
+        </p:cxnSp>
+      </p:grpSp>
+    </p:spTree>
+    <p:extLst>
+      <p:ext uri="{BB962C8B-B14F-4D97-AF65-F5344CB8AC3E}">
+        <p14:creationId xmlns:p14="http://schemas.microsoft.com/office/powerpoint/2010/main" val="4148650357"/>
+      </p:ext>
+    </p:extLst>
+  </p:cSld>
+  <p:clrMapOvr>
+    <a:masterClrMapping/>
+  </p:clrMapOvr>
+</p:sld>
+</file>
+
 <file path=ppt/theme/theme1.xml><?xml version="1.0" encoding="utf-8"?>
 <a:theme xmlns:a="http://schemas.openxmlformats.org/drawingml/2006/main" name="Office Theme">
   <a:themeElements>

--- a/segment-intersection/res/tree-draw.pptx
+++ b/segment-intersection/res/tree-draw.pptx
@@ -260,7 +260,7 @@
           <a:p>
             <a:fld id="{E6E788F2-950F-4F2E-9770-EB3413EC90C2}" type="datetimeFigureOut">
               <a:rPr lang="en-US" smtClean="0"/>
-              <a:t>2/14/2021</a:t>
+              <a:t>2/17/2021</a:t>
             </a:fld>
             <a:endParaRPr lang="en-US"/>
           </a:p>
@@ -458,7 +458,7 @@
           <a:p>
             <a:fld id="{E6E788F2-950F-4F2E-9770-EB3413EC90C2}" type="datetimeFigureOut">
               <a:rPr lang="en-US" smtClean="0"/>
-              <a:t>2/14/2021</a:t>
+              <a:t>2/17/2021</a:t>
             </a:fld>
             <a:endParaRPr lang="en-US"/>
           </a:p>
@@ -666,7 +666,7 @@
           <a:p>
             <a:fld id="{E6E788F2-950F-4F2E-9770-EB3413EC90C2}" type="datetimeFigureOut">
               <a:rPr lang="en-US" smtClean="0"/>
-              <a:t>2/14/2021</a:t>
+              <a:t>2/17/2021</a:t>
             </a:fld>
             <a:endParaRPr lang="en-US"/>
           </a:p>
@@ -864,7 +864,7 @@
           <a:p>
             <a:fld id="{E6E788F2-950F-4F2E-9770-EB3413EC90C2}" type="datetimeFigureOut">
               <a:rPr lang="en-US" smtClean="0"/>
-              <a:t>2/14/2021</a:t>
+              <a:t>2/17/2021</a:t>
             </a:fld>
             <a:endParaRPr lang="en-US"/>
           </a:p>
@@ -1139,7 +1139,7 @@
           <a:p>
             <a:fld id="{E6E788F2-950F-4F2E-9770-EB3413EC90C2}" type="datetimeFigureOut">
               <a:rPr lang="en-US" smtClean="0"/>
-              <a:t>2/14/2021</a:t>
+              <a:t>2/17/2021</a:t>
             </a:fld>
             <a:endParaRPr lang="en-US"/>
           </a:p>
@@ -1404,7 +1404,7 @@
           <a:p>
             <a:fld id="{E6E788F2-950F-4F2E-9770-EB3413EC90C2}" type="datetimeFigureOut">
               <a:rPr lang="en-US" smtClean="0"/>
-              <a:t>2/14/2021</a:t>
+              <a:t>2/17/2021</a:t>
             </a:fld>
             <a:endParaRPr lang="en-US"/>
           </a:p>
@@ -1816,7 +1816,7 @@
           <a:p>
             <a:fld id="{E6E788F2-950F-4F2E-9770-EB3413EC90C2}" type="datetimeFigureOut">
               <a:rPr lang="en-US" smtClean="0"/>
-              <a:t>2/14/2021</a:t>
+              <a:t>2/17/2021</a:t>
             </a:fld>
             <a:endParaRPr lang="en-US"/>
           </a:p>
@@ -1957,7 +1957,7 @@
           <a:p>
             <a:fld id="{E6E788F2-950F-4F2E-9770-EB3413EC90C2}" type="datetimeFigureOut">
               <a:rPr lang="en-US" smtClean="0"/>
-              <a:t>2/14/2021</a:t>
+              <a:t>2/17/2021</a:t>
             </a:fld>
             <a:endParaRPr lang="en-US"/>
           </a:p>
@@ -2070,7 +2070,7 @@
           <a:p>
             <a:fld id="{E6E788F2-950F-4F2E-9770-EB3413EC90C2}" type="datetimeFigureOut">
               <a:rPr lang="en-US" smtClean="0"/>
-              <a:t>2/14/2021</a:t>
+              <a:t>2/17/2021</a:t>
             </a:fld>
             <a:endParaRPr lang="en-US"/>
           </a:p>
@@ -2381,7 +2381,7 @@
           <a:p>
             <a:fld id="{E6E788F2-950F-4F2E-9770-EB3413EC90C2}" type="datetimeFigureOut">
               <a:rPr lang="en-US" smtClean="0"/>
-              <a:t>2/14/2021</a:t>
+              <a:t>2/17/2021</a:t>
             </a:fld>
             <a:endParaRPr lang="en-US"/>
           </a:p>
@@ -2669,7 +2669,7 @@
           <a:p>
             <a:fld id="{E6E788F2-950F-4F2E-9770-EB3413EC90C2}" type="datetimeFigureOut">
               <a:rPr lang="en-US" smtClean="0"/>
-              <a:t>2/14/2021</a:t>
+              <a:t>2/17/2021</a:t>
             </a:fld>
             <a:endParaRPr lang="en-US"/>
           </a:p>
@@ -2910,7 +2910,7 @@
           <a:p>
             <a:fld id="{E6E788F2-950F-4F2E-9770-EB3413EC90C2}" type="datetimeFigureOut">
               <a:rPr lang="en-US" smtClean="0"/>
-              <a:t>2/14/2021</a:t>
+              <a:t>2/17/2021</a:t>
             </a:fld>
             <a:endParaRPr lang="en-US"/>
           </a:p>
@@ -5127,7 +5127,7 @@
         </p:nvGrpSpPr>
         <p:grpSpPr>
           <a:xfrm>
-            <a:off x="4746172" y="1455576"/>
+            <a:off x="9209115" y="659291"/>
             <a:ext cx="2024742" cy="1353777"/>
             <a:chOff x="4746172" y="1455576"/>
             <a:chExt cx="2024742" cy="1353777"/>
@@ -5335,6 +5335,392 @@
             <a:xfrm>
               <a:off x="5997161" y="2013068"/>
               <a:ext cx="436296" cy="143143"/>
+            </a:xfrm>
+            <a:prstGeom prst="line">
+              <a:avLst/>
+            </a:prstGeom>
+          </p:spPr>
+          <p:style>
+            <a:lnRef idx="1">
+              <a:schemeClr val="dk1"/>
+            </a:lnRef>
+            <a:fillRef idx="0">
+              <a:schemeClr val="dk1"/>
+            </a:fillRef>
+            <a:effectRef idx="0">
+              <a:schemeClr val="dk1"/>
+            </a:effectRef>
+            <a:fontRef idx="minor">
+              <a:schemeClr val="tx1"/>
+            </a:fontRef>
+          </p:style>
+        </p:cxnSp>
+      </p:grpSp>
+      <p:grpSp>
+        <p:nvGrpSpPr>
+          <p:cNvPr id="23" name="Group 22">
+            <a:extLst>
+              <a:ext uri="{FF2B5EF4-FFF2-40B4-BE49-F238E27FC236}">
+                <a16:creationId xmlns:a16="http://schemas.microsoft.com/office/drawing/2014/main" id="{8D8EC81D-A4BB-4E6F-A094-EA60F720B4C4}"/>
+              </a:ext>
+            </a:extLst>
+          </p:cNvPr>
+          <p:cNvGrpSpPr/>
+          <p:nvPr/>
+        </p:nvGrpSpPr>
+        <p:grpSpPr>
+          <a:xfrm>
+            <a:off x="753645" y="539894"/>
+            <a:ext cx="3517644" cy="2460096"/>
+            <a:chOff x="753645" y="539894"/>
+            <a:chExt cx="3517644" cy="2460096"/>
+          </a:xfrm>
+        </p:grpSpPr>
+        <p:sp>
+          <p:nvSpPr>
+            <p:cNvPr id="11" name="Oval 10">
+              <a:extLst>
+                <a:ext uri="{FF2B5EF4-FFF2-40B4-BE49-F238E27FC236}">
+                  <a16:creationId xmlns:a16="http://schemas.microsoft.com/office/drawing/2014/main" id="{828B046C-78EA-4E39-93CC-AE89234B87EF}"/>
+                </a:ext>
+              </a:extLst>
+            </p:cNvPr>
+            <p:cNvSpPr/>
+            <p:nvPr/>
+          </p:nvSpPr>
+          <p:spPr>
+            <a:xfrm>
+              <a:off x="1633056" y="539894"/>
+              <a:ext cx="879411" cy="820032"/>
+            </a:xfrm>
+            <a:prstGeom prst="ellipse">
+              <a:avLst/>
+            </a:prstGeom>
+          </p:spPr>
+          <p:style>
+            <a:lnRef idx="2">
+              <a:schemeClr val="dk1"/>
+            </a:lnRef>
+            <a:fillRef idx="1">
+              <a:schemeClr val="lt1"/>
+            </a:fillRef>
+            <a:effectRef idx="0">
+              <a:schemeClr val="dk1"/>
+            </a:effectRef>
+            <a:fontRef idx="minor">
+              <a:schemeClr val="dk1"/>
+            </a:fontRef>
+          </p:style>
+          <p:txBody>
+            <a:bodyPr rtlCol="0" anchor="ctr"/>
+            <a:lstStyle/>
+            <a:p>
+              <a:pPr algn="ctr"/>
+              <a:r>
+                <a:rPr lang="es-MX" sz="1200" dirty="0"/>
+                <a:t>10,5</a:t>
+              </a:r>
+            </a:p>
+            <a:p>
+              <a:pPr algn="ctr"/>
+              <a:r>
+                <a:rPr lang="es-MX" sz="1200" dirty="0"/>
+                <a:t>0</a:t>
+              </a:r>
+            </a:p>
+            <a:p>
+              <a:pPr algn="ctr"/>
+              <a:r>
+                <a:rPr lang="es-MX" sz="1200" dirty="0"/>
+                <a:t>False</a:t>
+              </a:r>
+              <a:endParaRPr lang="en-US" sz="1200" dirty="0"/>
+            </a:p>
+          </p:txBody>
+        </p:sp>
+        <p:sp>
+          <p:nvSpPr>
+            <p:cNvPr id="17" name="Oval 16">
+              <a:extLst>
+                <a:ext uri="{FF2B5EF4-FFF2-40B4-BE49-F238E27FC236}">
+                  <a16:creationId xmlns:a16="http://schemas.microsoft.com/office/drawing/2014/main" id="{866C73CA-86AC-499C-82E8-D959C81262CB}"/>
+                </a:ext>
+              </a:extLst>
+            </p:cNvPr>
+            <p:cNvSpPr/>
+            <p:nvPr/>
+          </p:nvSpPr>
+          <p:spPr>
+            <a:xfrm>
+              <a:off x="753645" y="1359926"/>
+              <a:ext cx="879411" cy="820032"/>
+            </a:xfrm>
+            <a:prstGeom prst="ellipse">
+              <a:avLst/>
+            </a:prstGeom>
+          </p:spPr>
+          <p:style>
+            <a:lnRef idx="2">
+              <a:schemeClr val="dk1"/>
+            </a:lnRef>
+            <a:fillRef idx="1">
+              <a:schemeClr val="lt1"/>
+            </a:fillRef>
+            <a:effectRef idx="0">
+              <a:schemeClr val="dk1"/>
+            </a:effectRef>
+            <a:fontRef idx="minor">
+              <a:schemeClr val="dk1"/>
+            </a:fontRef>
+          </p:style>
+          <p:txBody>
+            <a:bodyPr rtlCol="0" anchor="ctr"/>
+            <a:lstStyle/>
+            <a:p>
+              <a:pPr algn="ctr"/>
+              <a:r>
+                <a:rPr lang="es-MX" sz="1200" dirty="0"/>
+                <a:t>10,6</a:t>
+              </a:r>
+            </a:p>
+            <a:p>
+              <a:pPr algn="ctr"/>
+              <a:r>
+                <a:rPr lang="es-MX" sz="1200" dirty="0"/>
+                <a:t>0</a:t>
+              </a:r>
+            </a:p>
+            <a:p>
+              <a:pPr algn="ctr"/>
+              <a:r>
+                <a:rPr lang="es-MX" sz="1200" dirty="0"/>
+                <a:t>True</a:t>
+              </a:r>
+              <a:endParaRPr lang="en-US" sz="1200" dirty="0"/>
+            </a:p>
+          </p:txBody>
+        </p:sp>
+        <p:sp>
+          <p:nvSpPr>
+            <p:cNvPr id="18" name="Oval 17">
+              <a:extLst>
+                <a:ext uri="{FF2B5EF4-FFF2-40B4-BE49-F238E27FC236}">
+                  <a16:creationId xmlns:a16="http://schemas.microsoft.com/office/drawing/2014/main" id="{E39E4A77-3D91-4522-966B-DA73CEAD3699}"/>
+                </a:ext>
+              </a:extLst>
+            </p:cNvPr>
+            <p:cNvSpPr/>
+            <p:nvPr/>
+          </p:nvSpPr>
+          <p:spPr>
+            <a:xfrm>
+              <a:off x="2512467" y="1359926"/>
+              <a:ext cx="879411" cy="820032"/>
+            </a:xfrm>
+            <a:prstGeom prst="ellipse">
+              <a:avLst/>
+            </a:prstGeom>
+          </p:spPr>
+          <p:style>
+            <a:lnRef idx="2">
+              <a:schemeClr val="dk1"/>
+            </a:lnRef>
+            <a:fillRef idx="1">
+              <a:schemeClr val="lt1"/>
+            </a:fillRef>
+            <a:effectRef idx="0">
+              <a:schemeClr val="dk1"/>
+            </a:effectRef>
+            <a:fontRef idx="minor">
+              <a:schemeClr val="dk1"/>
+            </a:fontRef>
+          </p:style>
+          <p:txBody>
+            <a:bodyPr rtlCol="0" anchor="ctr"/>
+            <a:lstStyle/>
+            <a:p>
+              <a:pPr algn="ctr"/>
+              <a:r>
+                <a:rPr lang="es-MX" sz="1200" dirty="0"/>
+                <a:t>9,3</a:t>
+              </a:r>
+            </a:p>
+            <a:p>
+              <a:pPr algn="ctr"/>
+              <a:r>
+                <a:rPr lang="es-MX" sz="1200" dirty="0"/>
+                <a:t>1</a:t>
+              </a:r>
+            </a:p>
+            <a:p>
+              <a:pPr algn="ctr"/>
+              <a:r>
+                <a:rPr lang="es-MX" sz="1200" dirty="0"/>
+                <a:t>False</a:t>
+              </a:r>
+              <a:endParaRPr lang="en-US" sz="1200" dirty="0"/>
+            </a:p>
+          </p:txBody>
+        </p:sp>
+        <p:sp>
+          <p:nvSpPr>
+            <p:cNvPr id="19" name="Oval 18">
+              <a:extLst>
+                <a:ext uri="{FF2B5EF4-FFF2-40B4-BE49-F238E27FC236}">
+                  <a16:creationId xmlns:a16="http://schemas.microsoft.com/office/drawing/2014/main" id="{0FE0501C-ECB1-45A5-BF95-D356F219084C}"/>
+                </a:ext>
+              </a:extLst>
+            </p:cNvPr>
+            <p:cNvSpPr/>
+            <p:nvPr/>
+          </p:nvSpPr>
+          <p:spPr>
+            <a:xfrm>
+              <a:off x="3391878" y="2179958"/>
+              <a:ext cx="879411" cy="820032"/>
+            </a:xfrm>
+            <a:prstGeom prst="ellipse">
+              <a:avLst/>
+            </a:prstGeom>
+          </p:spPr>
+          <p:style>
+            <a:lnRef idx="2">
+              <a:schemeClr val="dk1"/>
+            </a:lnRef>
+            <a:fillRef idx="1">
+              <a:schemeClr val="lt1"/>
+            </a:fillRef>
+            <a:effectRef idx="0">
+              <a:schemeClr val="dk1"/>
+            </a:effectRef>
+            <a:fontRef idx="minor">
+              <a:schemeClr val="dk1"/>
+            </a:fontRef>
+          </p:style>
+          <p:txBody>
+            <a:bodyPr rtlCol="0" anchor="ctr"/>
+            <a:lstStyle/>
+            <a:p>
+              <a:pPr algn="ctr"/>
+              <a:r>
+                <a:rPr lang="es-MX" sz="1200" dirty="0"/>
+                <a:t>14,1</a:t>
+              </a:r>
+            </a:p>
+            <a:p>
+              <a:pPr algn="ctr"/>
+              <a:r>
+                <a:rPr lang="es-MX" sz="1200" dirty="0"/>
+                <a:t>1</a:t>
+              </a:r>
+            </a:p>
+            <a:p>
+              <a:pPr algn="ctr"/>
+              <a:r>
+                <a:rPr lang="es-MX" sz="1200" dirty="0"/>
+                <a:t>True</a:t>
+              </a:r>
+              <a:endParaRPr lang="en-US" sz="1200" dirty="0"/>
+            </a:p>
+          </p:txBody>
+        </p:sp>
+        <p:cxnSp>
+          <p:nvCxnSpPr>
+            <p:cNvPr id="6" name="Straight Connector 5">
+              <a:extLst>
+                <a:ext uri="{FF2B5EF4-FFF2-40B4-BE49-F238E27FC236}">
+                  <a16:creationId xmlns:a16="http://schemas.microsoft.com/office/drawing/2014/main" id="{C0B4A2CD-5D31-4521-AFA9-6345B75E593D}"/>
+                </a:ext>
+              </a:extLst>
+            </p:cNvPr>
+            <p:cNvCxnSpPr>
+              <a:stCxn id="11" idx="5"/>
+              <a:endCxn id="18" idx="0"/>
+            </p:cNvCxnSpPr>
+            <p:nvPr/>
+          </p:nvCxnSpPr>
+          <p:spPr>
+            <a:xfrm>
+              <a:off x="2383680" y="1239835"/>
+              <a:ext cx="568493" cy="120091"/>
+            </a:xfrm>
+            <a:prstGeom prst="line">
+              <a:avLst/>
+            </a:prstGeom>
+          </p:spPr>
+          <p:style>
+            <a:lnRef idx="1">
+              <a:schemeClr val="dk1"/>
+            </a:lnRef>
+            <a:fillRef idx="0">
+              <a:schemeClr val="dk1"/>
+            </a:fillRef>
+            <a:effectRef idx="0">
+              <a:schemeClr val="dk1"/>
+            </a:effectRef>
+            <a:fontRef idx="minor">
+              <a:schemeClr val="tx1"/>
+            </a:fontRef>
+          </p:style>
+        </p:cxnSp>
+        <p:cxnSp>
+          <p:nvCxnSpPr>
+            <p:cNvPr id="20" name="Straight Connector 19">
+              <a:extLst>
+                <a:ext uri="{FF2B5EF4-FFF2-40B4-BE49-F238E27FC236}">
+                  <a16:creationId xmlns:a16="http://schemas.microsoft.com/office/drawing/2014/main" id="{88B46D64-09B9-46B9-A77A-5397EABA6100}"/>
+                </a:ext>
+              </a:extLst>
+            </p:cNvPr>
+            <p:cNvCxnSpPr>
+              <a:stCxn id="11" idx="3"/>
+              <a:endCxn id="17" idx="0"/>
+            </p:cNvCxnSpPr>
+            <p:nvPr/>
+          </p:nvCxnSpPr>
+          <p:spPr>
+            <a:xfrm flipH="1">
+              <a:off x="1193351" y="1239835"/>
+              <a:ext cx="568492" cy="120091"/>
+            </a:xfrm>
+            <a:prstGeom prst="line">
+              <a:avLst/>
+            </a:prstGeom>
+          </p:spPr>
+          <p:style>
+            <a:lnRef idx="1">
+              <a:schemeClr val="dk1"/>
+            </a:lnRef>
+            <a:fillRef idx="0">
+              <a:schemeClr val="dk1"/>
+            </a:fillRef>
+            <a:effectRef idx="0">
+              <a:schemeClr val="dk1"/>
+            </a:effectRef>
+            <a:fontRef idx="minor">
+              <a:schemeClr val="tx1"/>
+            </a:fontRef>
+          </p:style>
+        </p:cxnSp>
+        <p:cxnSp>
+          <p:nvCxnSpPr>
+            <p:cNvPr id="22" name="Straight Connector 21">
+              <a:extLst>
+                <a:ext uri="{FF2B5EF4-FFF2-40B4-BE49-F238E27FC236}">
+                  <a16:creationId xmlns:a16="http://schemas.microsoft.com/office/drawing/2014/main" id="{B25713ED-83A7-4591-8AF3-9F4D78247533}"/>
+                </a:ext>
+              </a:extLst>
+            </p:cNvPr>
+            <p:cNvCxnSpPr>
+              <a:stCxn id="18" idx="5"/>
+              <a:endCxn id="19" idx="0"/>
+            </p:cNvCxnSpPr>
+            <p:nvPr/>
+          </p:nvCxnSpPr>
+          <p:spPr>
+            <a:xfrm>
+              <a:off x="3263091" y="2059867"/>
+              <a:ext cx="568493" cy="120091"/>
             </a:xfrm>
             <a:prstGeom prst="line">
               <a:avLst/>

--- a/segment-intersection/res/tree-draw.pptx
+++ b/segment-intersection/res/tree-draw.pptx
@@ -5742,6 +5742,291 @@
           </p:style>
         </p:cxnSp>
       </p:grpSp>
+      <p:grpSp>
+        <p:nvGrpSpPr>
+          <p:cNvPr id="2" name="Group 1">
+            <a:extLst>
+              <a:ext uri="{FF2B5EF4-FFF2-40B4-BE49-F238E27FC236}">
+                <a16:creationId xmlns:a16="http://schemas.microsoft.com/office/drawing/2014/main" id="{901634CD-D125-4CD0-A281-0E1E3660E3C3}"/>
+              </a:ext>
+            </a:extLst>
+          </p:cNvPr>
+          <p:cNvGrpSpPr/>
+          <p:nvPr/>
+        </p:nvGrpSpPr>
+        <p:grpSpPr>
+          <a:xfrm>
+            <a:off x="4714647" y="2898598"/>
+            <a:ext cx="2638233" cy="1640064"/>
+            <a:chOff x="4714647" y="2898598"/>
+            <a:chExt cx="2638233" cy="1640064"/>
+          </a:xfrm>
+        </p:grpSpPr>
+        <p:sp>
+          <p:nvSpPr>
+            <p:cNvPr id="24" name="Oval 23">
+              <a:extLst>
+                <a:ext uri="{FF2B5EF4-FFF2-40B4-BE49-F238E27FC236}">
+                  <a16:creationId xmlns:a16="http://schemas.microsoft.com/office/drawing/2014/main" id="{0D95F9A4-A525-41F1-88A6-626C97894FFD}"/>
+                </a:ext>
+              </a:extLst>
+            </p:cNvPr>
+            <p:cNvSpPr/>
+            <p:nvPr/>
+          </p:nvSpPr>
+          <p:spPr>
+            <a:xfrm>
+              <a:off x="4714647" y="3718630"/>
+              <a:ext cx="879411" cy="820032"/>
+            </a:xfrm>
+            <a:prstGeom prst="ellipse">
+              <a:avLst/>
+            </a:prstGeom>
+          </p:spPr>
+          <p:style>
+            <a:lnRef idx="2">
+              <a:schemeClr val="dk1"/>
+            </a:lnRef>
+            <a:fillRef idx="1">
+              <a:schemeClr val="lt1"/>
+            </a:fillRef>
+            <a:effectRef idx="0">
+              <a:schemeClr val="dk1"/>
+            </a:effectRef>
+            <a:fontRef idx="minor">
+              <a:schemeClr val="dk1"/>
+            </a:fontRef>
+          </p:style>
+          <p:txBody>
+            <a:bodyPr rtlCol="0" anchor="ctr"/>
+            <a:lstStyle/>
+            <a:p>
+              <a:pPr algn="ctr"/>
+              <a:r>
+                <a:rPr lang="es-MX" sz="1200" dirty="0"/>
+                <a:t>10,6</a:t>
+              </a:r>
+            </a:p>
+            <a:p>
+              <a:pPr algn="ctr"/>
+              <a:r>
+                <a:rPr lang="es-MX" sz="1200" dirty="0"/>
+                <a:t>0</a:t>
+              </a:r>
+            </a:p>
+            <a:p>
+              <a:pPr algn="ctr"/>
+              <a:r>
+                <a:rPr lang="es-MX" sz="1200" dirty="0"/>
+                <a:t>True</a:t>
+              </a:r>
+              <a:endParaRPr lang="en-US" sz="1200" dirty="0"/>
+            </a:p>
+          </p:txBody>
+        </p:sp>
+        <p:sp>
+          <p:nvSpPr>
+            <p:cNvPr id="25" name="Oval 24">
+              <a:extLst>
+                <a:ext uri="{FF2B5EF4-FFF2-40B4-BE49-F238E27FC236}">
+                  <a16:creationId xmlns:a16="http://schemas.microsoft.com/office/drawing/2014/main" id="{4BA2FB27-49F1-46AF-810B-1AFBB0B9DB8C}"/>
+                </a:ext>
+              </a:extLst>
+            </p:cNvPr>
+            <p:cNvSpPr/>
+            <p:nvPr/>
+          </p:nvSpPr>
+          <p:spPr>
+            <a:xfrm>
+              <a:off x="5594058" y="2898598"/>
+              <a:ext cx="879411" cy="820032"/>
+            </a:xfrm>
+            <a:prstGeom prst="ellipse">
+              <a:avLst/>
+            </a:prstGeom>
+          </p:spPr>
+          <p:style>
+            <a:lnRef idx="2">
+              <a:schemeClr val="dk1"/>
+            </a:lnRef>
+            <a:fillRef idx="1">
+              <a:schemeClr val="lt1"/>
+            </a:fillRef>
+            <a:effectRef idx="0">
+              <a:schemeClr val="dk1"/>
+            </a:effectRef>
+            <a:fontRef idx="minor">
+              <a:schemeClr val="dk1"/>
+            </a:fontRef>
+          </p:style>
+          <p:txBody>
+            <a:bodyPr rtlCol="0" anchor="ctr"/>
+            <a:lstStyle/>
+            <a:p>
+              <a:pPr algn="ctr"/>
+              <a:r>
+                <a:rPr lang="es-MX" sz="1200" dirty="0"/>
+                <a:t>9,3</a:t>
+              </a:r>
+            </a:p>
+            <a:p>
+              <a:pPr algn="ctr"/>
+              <a:r>
+                <a:rPr lang="es-MX" sz="1200" dirty="0"/>
+                <a:t>1</a:t>
+              </a:r>
+            </a:p>
+            <a:p>
+              <a:pPr algn="ctr"/>
+              <a:r>
+                <a:rPr lang="es-MX" sz="1200" dirty="0"/>
+                <a:t>False</a:t>
+              </a:r>
+              <a:endParaRPr lang="en-US" sz="1200" dirty="0"/>
+            </a:p>
+          </p:txBody>
+        </p:sp>
+        <p:sp>
+          <p:nvSpPr>
+            <p:cNvPr id="26" name="Oval 25">
+              <a:extLst>
+                <a:ext uri="{FF2B5EF4-FFF2-40B4-BE49-F238E27FC236}">
+                  <a16:creationId xmlns:a16="http://schemas.microsoft.com/office/drawing/2014/main" id="{CA9A881C-FDAC-45E1-AAF9-45BC8EFFDFB8}"/>
+                </a:ext>
+              </a:extLst>
+            </p:cNvPr>
+            <p:cNvSpPr/>
+            <p:nvPr/>
+          </p:nvSpPr>
+          <p:spPr>
+            <a:xfrm>
+              <a:off x="6473469" y="3718630"/>
+              <a:ext cx="879411" cy="820032"/>
+            </a:xfrm>
+            <a:prstGeom prst="ellipse">
+              <a:avLst/>
+            </a:prstGeom>
+          </p:spPr>
+          <p:style>
+            <a:lnRef idx="2">
+              <a:schemeClr val="dk1"/>
+            </a:lnRef>
+            <a:fillRef idx="1">
+              <a:schemeClr val="lt1"/>
+            </a:fillRef>
+            <a:effectRef idx="0">
+              <a:schemeClr val="dk1"/>
+            </a:effectRef>
+            <a:fontRef idx="minor">
+              <a:schemeClr val="dk1"/>
+            </a:fontRef>
+          </p:style>
+          <p:txBody>
+            <a:bodyPr rtlCol="0" anchor="ctr"/>
+            <a:lstStyle/>
+            <a:p>
+              <a:pPr algn="ctr"/>
+              <a:r>
+                <a:rPr lang="es-MX" sz="1200" dirty="0"/>
+                <a:t>14,1</a:t>
+              </a:r>
+            </a:p>
+            <a:p>
+              <a:pPr algn="ctr"/>
+              <a:r>
+                <a:rPr lang="es-MX" sz="1200" dirty="0"/>
+                <a:t>1</a:t>
+              </a:r>
+            </a:p>
+            <a:p>
+              <a:pPr algn="ctr"/>
+              <a:r>
+                <a:rPr lang="es-MX" sz="1200" dirty="0"/>
+                <a:t>True</a:t>
+              </a:r>
+              <a:endParaRPr lang="en-US" sz="1200" dirty="0"/>
+            </a:p>
+          </p:txBody>
+        </p:sp>
+        <p:cxnSp>
+          <p:nvCxnSpPr>
+            <p:cNvPr id="28" name="Straight Connector 27">
+              <a:extLst>
+                <a:ext uri="{FF2B5EF4-FFF2-40B4-BE49-F238E27FC236}">
+                  <a16:creationId xmlns:a16="http://schemas.microsoft.com/office/drawing/2014/main" id="{18D995E6-ADC1-4963-9C33-0BA9E8261454}"/>
+                </a:ext>
+              </a:extLst>
+            </p:cNvPr>
+            <p:cNvCxnSpPr>
+              <a:cxnSpLocks/>
+              <a:endCxn id="24" idx="0"/>
+            </p:cNvCxnSpPr>
+            <p:nvPr/>
+          </p:nvCxnSpPr>
+          <p:spPr>
+            <a:xfrm flipH="1">
+              <a:off x="5154353" y="3598539"/>
+              <a:ext cx="568492" cy="120091"/>
+            </a:xfrm>
+            <a:prstGeom prst="line">
+              <a:avLst/>
+            </a:prstGeom>
+          </p:spPr>
+          <p:style>
+            <a:lnRef idx="1">
+              <a:schemeClr val="dk1"/>
+            </a:lnRef>
+            <a:fillRef idx="0">
+              <a:schemeClr val="dk1"/>
+            </a:fillRef>
+            <a:effectRef idx="0">
+              <a:schemeClr val="dk1"/>
+            </a:effectRef>
+            <a:fontRef idx="minor">
+              <a:schemeClr val="tx1"/>
+            </a:fontRef>
+          </p:style>
+        </p:cxnSp>
+        <p:cxnSp>
+          <p:nvCxnSpPr>
+            <p:cNvPr id="29" name="Straight Connector 28">
+              <a:extLst>
+                <a:ext uri="{FF2B5EF4-FFF2-40B4-BE49-F238E27FC236}">
+                  <a16:creationId xmlns:a16="http://schemas.microsoft.com/office/drawing/2014/main" id="{95F099B4-B773-4CF8-9C6E-BCAC72A234AD}"/>
+                </a:ext>
+              </a:extLst>
+            </p:cNvPr>
+            <p:cNvCxnSpPr>
+              <a:stCxn id="25" idx="5"/>
+              <a:endCxn id="26" idx="0"/>
+            </p:cNvCxnSpPr>
+            <p:nvPr/>
+          </p:nvCxnSpPr>
+          <p:spPr>
+            <a:xfrm>
+              <a:off x="6344682" y="3598539"/>
+              <a:ext cx="568493" cy="120091"/>
+            </a:xfrm>
+            <a:prstGeom prst="line">
+              <a:avLst/>
+            </a:prstGeom>
+          </p:spPr>
+          <p:style>
+            <a:lnRef idx="1">
+              <a:schemeClr val="dk1"/>
+            </a:lnRef>
+            <a:fillRef idx="0">
+              <a:schemeClr val="dk1"/>
+            </a:fillRef>
+            <a:effectRef idx="0">
+              <a:schemeClr val="dk1"/>
+            </a:effectRef>
+            <a:fontRef idx="minor">
+              <a:schemeClr val="tx1"/>
+            </a:fontRef>
+          </p:style>
+        </p:cxnSp>
+      </p:grpSp>
     </p:spTree>
     <p:extLst>
       <p:ext uri="{BB962C8B-B14F-4D97-AF65-F5344CB8AC3E}">

--- a/segment-intersection/res/tree-draw.pptx
+++ b/segment-intersection/res/tree-draw.pptx
@@ -5432,7 +5432,7 @@
               <a:pPr algn="ctr"/>
               <a:r>
                 <a:rPr lang="es-MX" sz="1200" dirty="0"/>
-                <a:t>False</a:t>
+                <a:t>0</a:t>
               </a:r>
               <a:endParaRPr lang="en-US" sz="1200" dirty="0"/>
             </a:p>
@@ -5493,10 +5493,9 @@
             <a:p>
               <a:pPr algn="ctr"/>
               <a:r>
-                <a:rPr lang="es-MX" sz="1200" dirty="0"/>
-                <a:t>True</a:t>
+                <a:rPr lang="en-US" sz="1200" dirty="0"/>
+                <a:t>1</a:t>
               </a:r>
-              <a:endParaRPr lang="en-US" sz="1200" dirty="0"/>
             </a:p>
           </p:txBody>
         </p:sp>
@@ -5555,10 +5554,9 @@
             <a:p>
               <a:pPr algn="ctr"/>
               <a:r>
-                <a:rPr lang="es-MX" sz="1200" dirty="0"/>
-                <a:t>False</a:t>
+                <a:rPr lang="en-US" sz="1200" dirty="0"/>
+                <a:t>0</a:t>
               </a:r>
-              <a:endParaRPr lang="en-US" sz="1200" dirty="0"/>
             </a:p>
           </p:txBody>
         </p:sp>
@@ -5617,10 +5615,9 @@
             <a:p>
               <a:pPr algn="ctr"/>
               <a:r>
-                <a:rPr lang="es-MX" sz="1200" dirty="0"/>
-                <a:t>True</a:t>
+                <a:rPr lang="en-US" sz="1200" dirty="0"/>
+                <a:t>1</a:t>
               </a:r>
-              <a:endParaRPr lang="en-US" sz="1200" dirty="0"/>
             </a:p>
           </p:txBody>
         </p:sp>
@@ -5817,10 +5814,9 @@
             <a:p>
               <a:pPr algn="ctr"/>
               <a:r>
-                <a:rPr lang="es-MX" sz="1200" dirty="0"/>
-                <a:t>True</a:t>
+                <a:rPr lang="en-US" sz="1200" dirty="0"/>
+                <a:t>1</a:t>
               </a:r>
-              <a:endParaRPr lang="en-US" sz="1200" dirty="0"/>
             </a:p>
           </p:txBody>
         </p:sp>
@@ -5879,10 +5875,9 @@
             <a:p>
               <a:pPr algn="ctr"/>
               <a:r>
-                <a:rPr lang="es-MX" sz="1200" dirty="0"/>
-                <a:t>False</a:t>
+                <a:rPr lang="en-US" sz="1200" dirty="0"/>
+                <a:t>0</a:t>
               </a:r>
-              <a:endParaRPr lang="en-US" sz="1200" dirty="0"/>
             </a:p>
           </p:txBody>
         </p:sp>
@@ -5941,10 +5936,9 @@
             <a:p>
               <a:pPr algn="ctr"/>
               <a:r>
-                <a:rPr lang="es-MX" sz="1200" dirty="0"/>
-                <a:t>True</a:t>
+                <a:rPr lang="en-US" sz="1200" dirty="0"/>
+                <a:t>1</a:t>
               </a:r>
-              <a:endParaRPr lang="en-US" sz="1200" dirty="0"/>
             </a:p>
           </p:txBody>
         </p:sp>

--- a/segment-intersection/res/tree-draw.pptx
+++ b/segment-intersection/res/tree-draw.pptx
@@ -260,7 +260,7 @@
           <a:p>
             <a:fld id="{E6E788F2-950F-4F2E-9770-EB3413EC90C2}" type="datetimeFigureOut">
               <a:rPr lang="en-US" smtClean="0"/>
-              <a:t>2/17/2021</a:t>
+              <a:t>2/18/2021</a:t>
             </a:fld>
             <a:endParaRPr lang="en-US"/>
           </a:p>
@@ -458,7 +458,7 @@
           <a:p>
             <a:fld id="{E6E788F2-950F-4F2E-9770-EB3413EC90C2}" type="datetimeFigureOut">
               <a:rPr lang="en-US" smtClean="0"/>
-              <a:t>2/17/2021</a:t>
+              <a:t>2/18/2021</a:t>
             </a:fld>
             <a:endParaRPr lang="en-US"/>
           </a:p>
@@ -666,7 +666,7 @@
           <a:p>
             <a:fld id="{E6E788F2-950F-4F2E-9770-EB3413EC90C2}" type="datetimeFigureOut">
               <a:rPr lang="en-US" smtClean="0"/>
-              <a:t>2/17/2021</a:t>
+              <a:t>2/18/2021</a:t>
             </a:fld>
             <a:endParaRPr lang="en-US"/>
           </a:p>
@@ -864,7 +864,7 @@
           <a:p>
             <a:fld id="{E6E788F2-950F-4F2E-9770-EB3413EC90C2}" type="datetimeFigureOut">
               <a:rPr lang="en-US" smtClean="0"/>
-              <a:t>2/17/2021</a:t>
+              <a:t>2/18/2021</a:t>
             </a:fld>
             <a:endParaRPr lang="en-US"/>
           </a:p>
@@ -1139,7 +1139,7 @@
           <a:p>
             <a:fld id="{E6E788F2-950F-4F2E-9770-EB3413EC90C2}" type="datetimeFigureOut">
               <a:rPr lang="en-US" smtClean="0"/>
-              <a:t>2/17/2021</a:t>
+              <a:t>2/18/2021</a:t>
             </a:fld>
             <a:endParaRPr lang="en-US"/>
           </a:p>
@@ -1404,7 +1404,7 @@
           <a:p>
             <a:fld id="{E6E788F2-950F-4F2E-9770-EB3413EC90C2}" type="datetimeFigureOut">
               <a:rPr lang="en-US" smtClean="0"/>
-              <a:t>2/17/2021</a:t>
+              <a:t>2/18/2021</a:t>
             </a:fld>
             <a:endParaRPr lang="en-US"/>
           </a:p>
@@ -1816,7 +1816,7 @@
           <a:p>
             <a:fld id="{E6E788F2-950F-4F2E-9770-EB3413EC90C2}" type="datetimeFigureOut">
               <a:rPr lang="en-US" smtClean="0"/>
-              <a:t>2/17/2021</a:t>
+              <a:t>2/18/2021</a:t>
             </a:fld>
             <a:endParaRPr lang="en-US"/>
           </a:p>
@@ -1957,7 +1957,7 @@
           <a:p>
             <a:fld id="{E6E788F2-950F-4F2E-9770-EB3413EC90C2}" type="datetimeFigureOut">
               <a:rPr lang="en-US" smtClean="0"/>
-              <a:t>2/17/2021</a:t>
+              <a:t>2/18/2021</a:t>
             </a:fld>
             <a:endParaRPr lang="en-US"/>
           </a:p>
@@ -2070,7 +2070,7 @@
           <a:p>
             <a:fld id="{E6E788F2-950F-4F2E-9770-EB3413EC90C2}" type="datetimeFigureOut">
               <a:rPr lang="en-US" smtClean="0"/>
-              <a:t>2/17/2021</a:t>
+              <a:t>2/18/2021</a:t>
             </a:fld>
             <a:endParaRPr lang="en-US"/>
           </a:p>
@@ -2381,7 +2381,7 @@
           <a:p>
             <a:fld id="{E6E788F2-950F-4F2E-9770-EB3413EC90C2}" type="datetimeFigureOut">
               <a:rPr lang="en-US" smtClean="0"/>
-              <a:t>2/17/2021</a:t>
+              <a:t>2/18/2021</a:t>
             </a:fld>
             <a:endParaRPr lang="en-US"/>
           </a:p>
@@ -2669,7 +2669,7 @@
           <a:p>
             <a:fld id="{E6E788F2-950F-4F2E-9770-EB3413EC90C2}" type="datetimeFigureOut">
               <a:rPr lang="en-US" smtClean="0"/>
-              <a:t>2/17/2021</a:t>
+              <a:t>2/18/2021</a:t>
             </a:fld>
             <a:endParaRPr lang="en-US"/>
           </a:p>
@@ -2910,7 +2910,7 @@
           <a:p>
             <a:fld id="{E6E788F2-950F-4F2E-9770-EB3413EC90C2}" type="datetimeFigureOut">
               <a:rPr lang="en-US" smtClean="0"/>
-              <a:t>2/17/2021</a:t>
+              <a:t>2/18/2021</a:t>
             </a:fld>
             <a:endParaRPr lang="en-US"/>
           </a:p>
@@ -6021,6 +6021,289 @@
           </p:style>
         </p:cxnSp>
       </p:grpSp>
+      <p:grpSp>
+        <p:nvGrpSpPr>
+          <p:cNvPr id="27" name="Group 26">
+            <a:extLst>
+              <a:ext uri="{FF2B5EF4-FFF2-40B4-BE49-F238E27FC236}">
+                <a16:creationId xmlns:a16="http://schemas.microsoft.com/office/drawing/2014/main" id="{BF45DDB7-589E-4526-B04D-EAF319D2A740}"/>
+              </a:ext>
+            </a:extLst>
+          </p:cNvPr>
+          <p:cNvGrpSpPr/>
+          <p:nvPr/>
+        </p:nvGrpSpPr>
+        <p:grpSpPr>
+          <a:xfrm>
+            <a:off x="692904" y="3202000"/>
+            <a:ext cx="2638233" cy="1640064"/>
+            <a:chOff x="4714647" y="2898598"/>
+            <a:chExt cx="2638233" cy="1640064"/>
+          </a:xfrm>
+        </p:grpSpPr>
+        <p:sp>
+          <p:nvSpPr>
+            <p:cNvPr id="30" name="Oval 29">
+              <a:extLst>
+                <a:ext uri="{FF2B5EF4-FFF2-40B4-BE49-F238E27FC236}">
+                  <a16:creationId xmlns:a16="http://schemas.microsoft.com/office/drawing/2014/main" id="{4E14CE8A-B805-4AAE-A141-5E84EF843515}"/>
+                </a:ext>
+              </a:extLst>
+            </p:cNvPr>
+            <p:cNvSpPr/>
+            <p:nvPr/>
+          </p:nvSpPr>
+          <p:spPr>
+            <a:xfrm>
+              <a:off x="4714647" y="3718630"/>
+              <a:ext cx="879411" cy="820032"/>
+            </a:xfrm>
+            <a:prstGeom prst="ellipse">
+              <a:avLst/>
+            </a:prstGeom>
+          </p:spPr>
+          <p:style>
+            <a:lnRef idx="2">
+              <a:schemeClr val="dk1"/>
+            </a:lnRef>
+            <a:fillRef idx="1">
+              <a:schemeClr val="lt1"/>
+            </a:fillRef>
+            <a:effectRef idx="0">
+              <a:schemeClr val="dk1"/>
+            </a:effectRef>
+            <a:fontRef idx="minor">
+              <a:schemeClr val="dk1"/>
+            </a:fontRef>
+          </p:style>
+          <p:txBody>
+            <a:bodyPr rtlCol="0" anchor="ctr"/>
+            <a:lstStyle/>
+            <a:p>
+              <a:pPr algn="ctr"/>
+              <a:r>
+                <a:rPr lang="es-MX" sz="1200" dirty="0"/>
+                <a:t>s3</a:t>
+              </a:r>
+            </a:p>
+            <a:p>
+              <a:pPr algn="ctr"/>
+              <a:r>
+                <a:rPr lang="es-MX" sz="1200" dirty="0"/>
+                <a:t>(1,1)</a:t>
+              </a:r>
+            </a:p>
+            <a:p>
+              <a:pPr algn="ctr"/>
+              <a:r>
+                <a:rPr lang="en-US" sz="1200" dirty="0"/>
+                <a:t>(-2,10)</a:t>
+              </a:r>
+            </a:p>
+          </p:txBody>
+        </p:sp>
+        <p:sp>
+          <p:nvSpPr>
+            <p:cNvPr id="31" name="Oval 30">
+              <a:extLst>
+                <a:ext uri="{FF2B5EF4-FFF2-40B4-BE49-F238E27FC236}">
+                  <a16:creationId xmlns:a16="http://schemas.microsoft.com/office/drawing/2014/main" id="{64F30CC5-1ED6-42B7-8A37-504F9D67F66D}"/>
+                </a:ext>
+              </a:extLst>
+            </p:cNvPr>
+            <p:cNvSpPr/>
+            <p:nvPr/>
+          </p:nvSpPr>
+          <p:spPr>
+            <a:xfrm>
+              <a:off x="5594058" y="2898598"/>
+              <a:ext cx="879411" cy="820032"/>
+            </a:xfrm>
+            <a:prstGeom prst="ellipse">
+              <a:avLst/>
+            </a:prstGeom>
+          </p:spPr>
+          <p:style>
+            <a:lnRef idx="2">
+              <a:schemeClr val="dk1"/>
+            </a:lnRef>
+            <a:fillRef idx="1">
+              <a:schemeClr val="lt1"/>
+            </a:fillRef>
+            <a:effectRef idx="0">
+              <a:schemeClr val="dk1"/>
+            </a:effectRef>
+            <a:fontRef idx="minor">
+              <a:schemeClr val="dk1"/>
+            </a:fontRef>
+          </p:style>
+          <p:txBody>
+            <a:bodyPr rtlCol="0" anchor="ctr"/>
+            <a:lstStyle/>
+            <a:p>
+              <a:pPr algn="ctr"/>
+              <a:r>
+                <a:rPr lang="es-MX" sz="1200" dirty="0"/>
+                <a:t>s1</a:t>
+              </a:r>
+            </a:p>
+            <a:p>
+              <a:pPr algn="ctr"/>
+              <a:r>
+                <a:rPr lang="en-US" sz="1200" dirty="0"/>
+                <a:t>(10,5)</a:t>
+              </a:r>
+            </a:p>
+            <a:p>
+              <a:pPr algn="ctr"/>
+              <a:r>
+                <a:rPr lang="en-US" sz="1200" dirty="0"/>
+                <a:t>(10,6)</a:t>
+              </a:r>
+              <a:endParaRPr lang="es-MX" sz="1200" dirty="0"/>
+            </a:p>
+          </p:txBody>
+        </p:sp>
+        <p:sp>
+          <p:nvSpPr>
+            <p:cNvPr id="32" name="Oval 31">
+              <a:extLst>
+                <a:ext uri="{FF2B5EF4-FFF2-40B4-BE49-F238E27FC236}">
+                  <a16:creationId xmlns:a16="http://schemas.microsoft.com/office/drawing/2014/main" id="{2B57D4D6-495D-459B-9865-50D386A23C29}"/>
+                </a:ext>
+              </a:extLst>
+            </p:cNvPr>
+            <p:cNvSpPr/>
+            <p:nvPr/>
+          </p:nvSpPr>
+          <p:spPr>
+            <a:xfrm>
+              <a:off x="6473469" y="3718630"/>
+              <a:ext cx="879411" cy="820032"/>
+            </a:xfrm>
+            <a:prstGeom prst="ellipse">
+              <a:avLst/>
+            </a:prstGeom>
+          </p:spPr>
+          <p:style>
+            <a:lnRef idx="2">
+              <a:schemeClr val="dk1"/>
+            </a:lnRef>
+            <a:fillRef idx="1">
+              <a:schemeClr val="lt1"/>
+            </a:fillRef>
+            <a:effectRef idx="0">
+              <a:schemeClr val="dk1"/>
+            </a:effectRef>
+            <a:fontRef idx="minor">
+              <a:schemeClr val="dk1"/>
+            </a:fontRef>
+          </p:style>
+          <p:txBody>
+            <a:bodyPr rtlCol="0" anchor="ctr"/>
+            <a:lstStyle/>
+            <a:p>
+              <a:pPr algn="ctr"/>
+              <a:r>
+                <a:rPr lang="es-MX" sz="1200" dirty="0"/>
+                <a:t>s2</a:t>
+              </a:r>
+            </a:p>
+            <a:p>
+              <a:pPr algn="ctr"/>
+              <a:r>
+                <a:rPr lang="es-MX" sz="1200" dirty="0"/>
+                <a:t>(-1,3)</a:t>
+              </a:r>
+            </a:p>
+            <a:p>
+              <a:pPr algn="ctr"/>
+              <a:r>
+                <a:rPr lang="en-US" sz="1200" dirty="0"/>
+                <a:t>(3,5)</a:t>
+              </a:r>
+            </a:p>
+          </p:txBody>
+        </p:sp>
+        <p:cxnSp>
+          <p:nvCxnSpPr>
+            <p:cNvPr id="33" name="Straight Connector 32">
+              <a:extLst>
+                <a:ext uri="{FF2B5EF4-FFF2-40B4-BE49-F238E27FC236}">
+                  <a16:creationId xmlns:a16="http://schemas.microsoft.com/office/drawing/2014/main" id="{A8F882E0-1048-47F3-872C-5A08C307764B}"/>
+                </a:ext>
+              </a:extLst>
+            </p:cNvPr>
+            <p:cNvCxnSpPr>
+              <a:cxnSpLocks/>
+              <a:endCxn id="30" idx="0"/>
+            </p:cNvCxnSpPr>
+            <p:nvPr/>
+          </p:nvCxnSpPr>
+          <p:spPr>
+            <a:xfrm flipH="1">
+              <a:off x="5154353" y="3598539"/>
+              <a:ext cx="568492" cy="120091"/>
+            </a:xfrm>
+            <a:prstGeom prst="line">
+              <a:avLst/>
+            </a:prstGeom>
+          </p:spPr>
+          <p:style>
+            <a:lnRef idx="1">
+              <a:schemeClr val="dk1"/>
+            </a:lnRef>
+            <a:fillRef idx="0">
+              <a:schemeClr val="dk1"/>
+            </a:fillRef>
+            <a:effectRef idx="0">
+              <a:schemeClr val="dk1"/>
+            </a:effectRef>
+            <a:fontRef idx="minor">
+              <a:schemeClr val="tx1"/>
+            </a:fontRef>
+          </p:style>
+        </p:cxnSp>
+        <p:cxnSp>
+          <p:nvCxnSpPr>
+            <p:cNvPr id="34" name="Straight Connector 33">
+              <a:extLst>
+                <a:ext uri="{FF2B5EF4-FFF2-40B4-BE49-F238E27FC236}">
+                  <a16:creationId xmlns:a16="http://schemas.microsoft.com/office/drawing/2014/main" id="{AC6B742B-C5FD-4E8F-A7CD-AF034AC82BC1}"/>
+                </a:ext>
+              </a:extLst>
+            </p:cNvPr>
+            <p:cNvCxnSpPr>
+              <a:stCxn id="31" idx="5"/>
+              <a:endCxn id="32" idx="0"/>
+            </p:cNvCxnSpPr>
+            <p:nvPr/>
+          </p:nvCxnSpPr>
+          <p:spPr>
+            <a:xfrm>
+              <a:off x="6344682" y="3598539"/>
+              <a:ext cx="568493" cy="120091"/>
+            </a:xfrm>
+            <a:prstGeom prst="line">
+              <a:avLst/>
+            </a:prstGeom>
+          </p:spPr>
+          <p:style>
+            <a:lnRef idx="1">
+              <a:schemeClr val="dk1"/>
+            </a:lnRef>
+            <a:fillRef idx="0">
+              <a:schemeClr val="dk1"/>
+            </a:fillRef>
+            <a:effectRef idx="0">
+              <a:schemeClr val="dk1"/>
+            </a:effectRef>
+            <a:fontRef idx="minor">
+              <a:schemeClr val="tx1"/>
+            </a:fontRef>
+          </p:style>
+        </p:cxnSp>
+      </p:grpSp>
     </p:spTree>
     <p:extLst>
       <p:ext uri="{BB962C8B-B14F-4D97-AF65-F5344CB8AC3E}">
